--- a/Model modification.pptx
+++ b/Model modification.pptx
@@ -207,7 +207,7 @@
           <a:p>
             <a:fld id="{6414668C-262E-4C2A-8C28-6C50C2B68E1F}" type="datetimeFigureOut">
               <a:rPr lang="zh-CN" altLang="en-US" smtClean="0"/>
-              <a:t>2024/10/28</a:t>
+              <a:t>2024/11/5</a:t>
             </a:fld>
             <a:endParaRPr lang="zh-CN" altLang="en-US"/>
           </a:p>
@@ -690,7 +690,7 @@
           <a:p>
             <a:fld id="{FFA8C315-DD96-4259-9532-EACCAC3DE341}" type="datetimeFigureOut">
               <a:rPr lang="zh-CN" altLang="en-US" smtClean="0"/>
-              <a:t>2024/10/28</a:t>
+              <a:t>2024/11/5</a:t>
             </a:fld>
             <a:endParaRPr lang="zh-CN" altLang="en-US"/>
           </a:p>
@@ -860,7 +860,7 @@
           <a:p>
             <a:fld id="{FFA8C315-DD96-4259-9532-EACCAC3DE341}" type="datetimeFigureOut">
               <a:rPr lang="zh-CN" altLang="en-US" smtClean="0"/>
-              <a:t>2024/10/28</a:t>
+              <a:t>2024/11/5</a:t>
             </a:fld>
             <a:endParaRPr lang="zh-CN" altLang="en-US"/>
           </a:p>
@@ -1040,7 +1040,7 @@
           <a:p>
             <a:fld id="{FFA8C315-DD96-4259-9532-EACCAC3DE341}" type="datetimeFigureOut">
               <a:rPr lang="zh-CN" altLang="en-US" smtClean="0"/>
-              <a:t>2024/10/28</a:t>
+              <a:t>2024/11/5</a:t>
             </a:fld>
             <a:endParaRPr lang="zh-CN" altLang="en-US"/>
           </a:p>
@@ -1210,7 +1210,7 @@
           <a:p>
             <a:fld id="{FFA8C315-DD96-4259-9532-EACCAC3DE341}" type="datetimeFigureOut">
               <a:rPr lang="zh-CN" altLang="en-US" smtClean="0"/>
-              <a:t>2024/10/28</a:t>
+              <a:t>2024/11/5</a:t>
             </a:fld>
             <a:endParaRPr lang="zh-CN" altLang="en-US"/>
           </a:p>
@@ -1456,7 +1456,7 @@
           <a:p>
             <a:fld id="{FFA8C315-DD96-4259-9532-EACCAC3DE341}" type="datetimeFigureOut">
               <a:rPr lang="zh-CN" altLang="en-US" smtClean="0"/>
-              <a:t>2024/10/28</a:t>
+              <a:t>2024/11/5</a:t>
             </a:fld>
             <a:endParaRPr lang="zh-CN" altLang="en-US"/>
           </a:p>
@@ -1688,7 +1688,7 @@
           <a:p>
             <a:fld id="{FFA8C315-DD96-4259-9532-EACCAC3DE341}" type="datetimeFigureOut">
               <a:rPr lang="zh-CN" altLang="en-US" smtClean="0"/>
-              <a:t>2024/10/28</a:t>
+              <a:t>2024/11/5</a:t>
             </a:fld>
             <a:endParaRPr lang="zh-CN" altLang="en-US"/>
           </a:p>
@@ -2055,7 +2055,7 @@
           <a:p>
             <a:fld id="{FFA8C315-DD96-4259-9532-EACCAC3DE341}" type="datetimeFigureOut">
               <a:rPr lang="zh-CN" altLang="en-US" smtClean="0"/>
-              <a:t>2024/10/28</a:t>
+              <a:t>2024/11/5</a:t>
             </a:fld>
             <a:endParaRPr lang="zh-CN" altLang="en-US"/>
           </a:p>
@@ -2173,7 +2173,7 @@
           <a:p>
             <a:fld id="{FFA8C315-DD96-4259-9532-EACCAC3DE341}" type="datetimeFigureOut">
               <a:rPr lang="zh-CN" altLang="en-US" smtClean="0"/>
-              <a:t>2024/10/28</a:t>
+              <a:t>2024/11/5</a:t>
             </a:fld>
             <a:endParaRPr lang="zh-CN" altLang="en-US"/>
           </a:p>
@@ -2268,7 +2268,7 @@
           <a:p>
             <a:fld id="{FFA8C315-DD96-4259-9532-EACCAC3DE341}" type="datetimeFigureOut">
               <a:rPr lang="zh-CN" altLang="en-US" smtClean="0"/>
-              <a:t>2024/10/28</a:t>
+              <a:t>2024/11/5</a:t>
             </a:fld>
             <a:endParaRPr lang="zh-CN" altLang="en-US"/>
           </a:p>
@@ -2545,7 +2545,7 @@
           <a:p>
             <a:fld id="{FFA8C315-DD96-4259-9532-EACCAC3DE341}" type="datetimeFigureOut">
               <a:rPr lang="zh-CN" altLang="en-US" smtClean="0"/>
-              <a:t>2024/10/28</a:t>
+              <a:t>2024/11/5</a:t>
             </a:fld>
             <a:endParaRPr lang="zh-CN" altLang="en-US"/>
           </a:p>
@@ -2798,7 +2798,7 @@
           <a:p>
             <a:fld id="{FFA8C315-DD96-4259-9532-EACCAC3DE341}" type="datetimeFigureOut">
               <a:rPr lang="zh-CN" altLang="en-US" smtClean="0"/>
-              <a:t>2024/10/28</a:t>
+              <a:t>2024/11/5</a:t>
             </a:fld>
             <a:endParaRPr lang="zh-CN" altLang="en-US"/>
           </a:p>
@@ -3011,7 +3011,7 @@
           <a:p>
             <a:fld id="{FFA8C315-DD96-4259-9532-EACCAC3DE341}" type="datetimeFigureOut">
               <a:rPr lang="zh-CN" altLang="en-US" smtClean="0"/>
-              <a:t>2024/10/28</a:t>
+              <a:t>2024/11/5</a:t>
             </a:fld>
             <a:endParaRPr lang="zh-CN" altLang="en-US"/>
           </a:p>
@@ -5791,7 +5791,24 @@
                 <a:latin typeface="Times New Roman" panose="02020603050405020304" pitchFamily="18" charset="0"/>
                 <a:cs typeface="Times New Roman" panose="02020603050405020304" pitchFamily="18" charset="0"/>
               </a:rPr>
-              <a:t> model. Define the effect of oxygen on nitrification by setting half-saturation parameters. But I think </a:t>
+              <a:t> model. Define the effect of oxygen on nitrification by setting </a:t>
+            </a:r>
+            <a:r>
+              <a:rPr lang="en-US" altLang="zh-CN" dirty="0">
+                <a:solidFill>
+                  <a:srgbClr val="FF0000"/>
+                </a:solidFill>
+                <a:latin typeface="Times New Roman" panose="02020603050405020304" pitchFamily="18" charset="0"/>
+                <a:cs typeface="Times New Roman" panose="02020603050405020304" pitchFamily="18" charset="0"/>
+              </a:rPr>
+              <a:t>half-saturation parameters</a:t>
+            </a:r>
+            <a:r>
+              <a:rPr lang="en-US" altLang="zh-CN" dirty="0">
+                <a:latin typeface="Times New Roman" panose="02020603050405020304" pitchFamily="18" charset="0"/>
+                <a:cs typeface="Times New Roman" panose="02020603050405020304" pitchFamily="18" charset="0"/>
+              </a:rPr>
+              <a:t>. But I think </a:t>
             </a:r>
             <a:r>
               <a:rPr lang="en-US" altLang="zh-CN" dirty="0" smtClean="0">
